--- a/source/dev/InclusionProcess.pptx
+++ b/source/dev/InclusionProcess.pptx
@@ -266,7 +266,7 @@
           <a:p>
             <a:fld id="{81678307-F1A7-46C2-A7C2-4A3ADF6991FE}" type="datetimeFigureOut">
               <a:rPr lang="fr-FR" smtClean="0"/>
-              <a:t>26/05/2021</a:t>
+              <a:t>05/07/2021</a:t>
             </a:fld>
             <a:endParaRPr lang="fr-FR"/>
           </a:p>
@@ -466,7 +466,7 @@
           <a:p>
             <a:fld id="{81678307-F1A7-46C2-A7C2-4A3ADF6991FE}" type="datetimeFigureOut">
               <a:rPr lang="fr-FR" smtClean="0"/>
-              <a:t>26/05/2021</a:t>
+              <a:t>05/07/2021</a:t>
             </a:fld>
             <a:endParaRPr lang="fr-FR"/>
           </a:p>
@@ -676,7 +676,7 @@
           <a:p>
             <a:fld id="{81678307-F1A7-46C2-A7C2-4A3ADF6991FE}" type="datetimeFigureOut">
               <a:rPr lang="fr-FR" smtClean="0"/>
-              <a:t>26/05/2021</a:t>
+              <a:t>05/07/2021</a:t>
             </a:fld>
             <a:endParaRPr lang="fr-FR"/>
           </a:p>
@@ -876,7 +876,7 @@
           <a:p>
             <a:fld id="{81678307-F1A7-46C2-A7C2-4A3ADF6991FE}" type="datetimeFigureOut">
               <a:rPr lang="fr-FR" smtClean="0"/>
-              <a:t>26/05/2021</a:t>
+              <a:t>05/07/2021</a:t>
             </a:fld>
             <a:endParaRPr lang="fr-FR"/>
           </a:p>
@@ -1152,7 +1152,7 @@
           <a:p>
             <a:fld id="{81678307-F1A7-46C2-A7C2-4A3ADF6991FE}" type="datetimeFigureOut">
               <a:rPr lang="fr-FR" smtClean="0"/>
-              <a:t>26/05/2021</a:t>
+              <a:t>05/07/2021</a:t>
             </a:fld>
             <a:endParaRPr lang="fr-FR"/>
           </a:p>
@@ -1420,7 +1420,7 @@
           <a:p>
             <a:fld id="{81678307-F1A7-46C2-A7C2-4A3ADF6991FE}" type="datetimeFigureOut">
               <a:rPr lang="fr-FR" smtClean="0"/>
-              <a:t>26/05/2021</a:t>
+              <a:t>05/07/2021</a:t>
             </a:fld>
             <a:endParaRPr lang="fr-FR"/>
           </a:p>
@@ -1835,7 +1835,7 @@
           <a:p>
             <a:fld id="{81678307-F1A7-46C2-A7C2-4A3ADF6991FE}" type="datetimeFigureOut">
               <a:rPr lang="fr-FR" smtClean="0"/>
-              <a:t>26/05/2021</a:t>
+              <a:t>05/07/2021</a:t>
             </a:fld>
             <a:endParaRPr lang="fr-FR"/>
           </a:p>
@@ -1977,7 +1977,7 @@
           <a:p>
             <a:fld id="{81678307-F1A7-46C2-A7C2-4A3ADF6991FE}" type="datetimeFigureOut">
               <a:rPr lang="fr-FR" smtClean="0"/>
-              <a:t>26/05/2021</a:t>
+              <a:t>05/07/2021</a:t>
             </a:fld>
             <a:endParaRPr lang="fr-FR"/>
           </a:p>
@@ -2090,7 +2090,7 @@
           <a:p>
             <a:fld id="{81678307-F1A7-46C2-A7C2-4A3ADF6991FE}" type="datetimeFigureOut">
               <a:rPr lang="fr-FR" smtClean="0"/>
-              <a:t>26/05/2021</a:t>
+              <a:t>05/07/2021</a:t>
             </a:fld>
             <a:endParaRPr lang="fr-FR"/>
           </a:p>
@@ -2403,7 +2403,7 @@
           <a:p>
             <a:fld id="{81678307-F1A7-46C2-A7C2-4A3ADF6991FE}" type="datetimeFigureOut">
               <a:rPr lang="fr-FR" smtClean="0"/>
-              <a:t>26/05/2021</a:t>
+              <a:t>05/07/2021</a:t>
             </a:fld>
             <a:endParaRPr lang="fr-FR"/>
           </a:p>
@@ -2692,7 +2692,7 @@
           <a:p>
             <a:fld id="{81678307-F1A7-46C2-A7C2-4A3ADF6991FE}" type="datetimeFigureOut">
               <a:rPr lang="fr-FR" smtClean="0"/>
-              <a:t>26/05/2021</a:t>
+              <a:t>05/07/2021</a:t>
             </a:fld>
             <a:endParaRPr lang="fr-FR"/>
           </a:p>
@@ -2935,7 +2935,7 @@
           <a:p>
             <a:fld id="{81678307-F1A7-46C2-A7C2-4A3ADF6991FE}" type="datetimeFigureOut">
               <a:rPr lang="fr-FR" smtClean="0"/>
-              <a:t>26/05/2021</a:t>
+              <a:t>05/07/2021</a:t>
             </a:fld>
             <a:endParaRPr lang="fr-FR"/>
           </a:p>
@@ -4252,19 +4252,12 @@
           <a:p>
             <a:pPr algn="ctr"/>
             <a:r>
-              <a:rPr lang="fr-FR" sz="1200" dirty="0"/>
-              <a:t>JSON</a:t>
-            </a:r>
-          </a:p>
-          <a:p>
-            <a:pPr algn="ctr"/>
-            <a:r>
-              <a:rPr lang="fr-FR" sz="1200" dirty="0" err="1"/>
-              <a:t>identified</a:t>
-            </a:r>
-            <a:r>
-              <a:rPr lang="fr-FR" sz="1200" dirty="0"/>
-              <a:t> ?</a:t>
+              <a:rPr lang="fr-FR" sz="1100" dirty="0" err="1"/>
+              <a:t>Supported</a:t>
+            </a:r>
+            <a:r>
+              <a:rPr lang="fr-FR" sz="1100" dirty="0"/>
+              <a:t> model ?</a:t>
             </a:r>
           </a:p>
         </p:txBody>
@@ -4893,8 +4886,8 @@
         </p:nvSpPr>
         <p:spPr>
           <a:xfrm>
-            <a:off x="1213339" y="1164241"/>
-            <a:ext cx="117222" cy="2645754"/>
+            <a:off x="1202151" y="1936512"/>
+            <a:ext cx="192136" cy="1873483"/>
           </a:xfrm>
           <a:prstGeom prst="leftBrace">
             <a:avLst/>
@@ -4937,7 +4930,7 @@
         </p:nvSpPr>
         <p:spPr>
           <a:xfrm>
-            <a:off x="193399" y="2224481"/>
+            <a:off x="203822" y="2577207"/>
             <a:ext cx="1041760" cy="461665"/>
           </a:xfrm>
           <a:prstGeom prst="rect">
@@ -6953,13 +6946,13 @@
 
 <file path=ppt/tags/tag1.xml><?xml version="1.0" encoding="utf-8"?>
 <p:tagLst xmlns:a="http://schemas.openxmlformats.org/drawingml/2006/main" xmlns:r="http://schemas.openxmlformats.org/officeDocument/2006/relationships" xmlns:p="http://schemas.openxmlformats.org/presentationml/2006/main">
-  <p:tag name="CLINAME" val="ᡪᢃᡘᢁᡶᢈᢈ᡾᡻᡾᡺᡹"/>
-  <p:tag name="DATETIME" val="ᡈᡄᡇᡊᡄᡇᡅᡇᡆᠵᠵᡆᡆᡏᡈᡅᡖᡢᠵᠽᡜᡢᡩᡀᡆᡏᡅᠾ"/>
-  <p:tag name="DONEBY" val="ᡨᡩᡱᡸ᡽ᡶᢇᢅ᡺ᢃᢉ"/>
-  <p:tag name="IPADDRESS" val="ᡜᡣᡗᡘᡬᡙᡅᡋᡉᡈ"/>
   <p:tag name="APPVER" val="ᡈᡃᡅ"/>
   <p:tag name="RANDOM" val="21"/>
-  <p:tag name="CHECKSUM" val="ᡉᡉᡆᡈ"/>
+  <p:tag name="CLINAME" val="ᡪᢃᡘᢁᡶᢈᢈ᡾᡻᡾᡺᡹!ᡪᢃᡘᢁᡶᢈᢈ᡾᡻᡾᡺᡹!ᡪᢃᡘᢁᡶᢈᢈ᡾᡻᡾᡺᡹"/>
+  <p:tag name="DATETIME" val="ᡈᡄᡇᡊᡄᡇᡅᡇᡆᠵᠵᡆᡆᡏᡈᡅᡖᡢᠵᠽᡜᡢᡩᡀᡆᡏᡅᠾ!ᡌᡄᡊᡄᡇᡅᡇᡆᠵᠵᡆᡆᡏᡉᡍᠵᠽᡜᡢᡩᡀᡇᡏᡅᠾ!ᡌᡄᡊᡄᡇᡅᡇᡆᠵᠵᡆᡆᡏᡉᡍᠵᠽᡜᡢᡩᡀᡇᡏᡅᠾ"/>
+  <p:tag name="DONEBY" val="ᡨᡩᡱᡸ᡽ᡶᢇᢅ᡺ᢃᢉ!ᡰᡪᢃᡘᢁᡶᢈᢈ᡾᡻᡾᡺᡹ᡲᠵᡓᠵᡖᡞᡥᠵ᡽ᡶᢃ᡹ᢄᢋ᡺ᢇ!ᡰᡪᢃᡘᢁᡶᢈᢈ᡾᡻᡾᡺᡹ᡲᠵᡓᠵᡖᡞᡥᠵ᡽ᡶᢃ᡹ᢄᢋ᡺ᢇ"/>
+  <p:tag name="IPADDRESS" val="ᡜᡣᡗᡘᡬᡙᡅᡋᡉᡈ!ᡜᡣᡗᡘᡬᡙᡅᡋᡉᡈ!ᡜᡣᡗᡘᡬᡙᡅᡋᡉᡈ"/>
+  <p:tag name="CHECKSUM" val="ᡉᡉᡆᡈ!ᡊᡌᡉᡍ!ᡊᡌᡉᡍ"/>
 </p:tagLst>
 </file>
 
